--- a/Sprint presentations/Individual_Project-Sprint2.pptx
+++ b/Sprint presentations/Individual_Project-Sprint2.pptx
@@ -206,7 +206,7 @@
           <a:p>
             <a:fld id="{FFDD75D1-5100-4406-A47E-5CCD3D421B5D}" type="datetimeFigureOut">
               <a:rPr lang="nl-NL" smtClean="0"/>
-              <a:t>12-4-2022</a:t>
+              <a:t>13-4-2022</a:t>
             </a:fld>
             <a:endParaRPr lang="nl-NL"/>
           </a:p>
@@ -1504,7 +1504,7 @@
           <a:p>
             <a:fld id="{598579B7-6556-4B01-89C0-9D7E5718B023}" type="datetimeFigureOut">
               <a:rPr lang="nl-NL" smtClean="0"/>
-              <a:t>12-4-2022</a:t>
+              <a:t>13-4-2022</a:t>
             </a:fld>
             <a:endParaRPr lang="nl-NL"/>
           </a:p>
@@ -1674,7 +1674,7 @@
           <a:p>
             <a:fld id="{598579B7-6556-4B01-89C0-9D7E5718B023}" type="datetimeFigureOut">
               <a:rPr lang="nl-NL" smtClean="0"/>
-              <a:t>12-4-2022</a:t>
+              <a:t>13-4-2022</a:t>
             </a:fld>
             <a:endParaRPr lang="nl-NL"/>
           </a:p>
@@ -1854,7 +1854,7 @@
           <a:p>
             <a:fld id="{598579B7-6556-4B01-89C0-9D7E5718B023}" type="datetimeFigureOut">
               <a:rPr lang="nl-NL" smtClean="0"/>
-              <a:t>12-4-2022</a:t>
+              <a:t>13-4-2022</a:t>
             </a:fld>
             <a:endParaRPr lang="nl-NL"/>
           </a:p>
@@ -2024,7 +2024,7 @@
           <a:p>
             <a:fld id="{598579B7-6556-4B01-89C0-9D7E5718B023}" type="datetimeFigureOut">
               <a:rPr lang="nl-NL" smtClean="0"/>
-              <a:t>12-4-2022</a:t>
+              <a:t>13-4-2022</a:t>
             </a:fld>
             <a:endParaRPr lang="nl-NL"/>
           </a:p>
@@ -2270,7 +2270,7 @@
           <a:p>
             <a:fld id="{598579B7-6556-4B01-89C0-9D7E5718B023}" type="datetimeFigureOut">
               <a:rPr lang="nl-NL" smtClean="0"/>
-              <a:t>12-4-2022</a:t>
+              <a:t>13-4-2022</a:t>
             </a:fld>
             <a:endParaRPr lang="nl-NL"/>
           </a:p>
@@ -2502,7 +2502,7 @@
           <a:p>
             <a:fld id="{598579B7-6556-4B01-89C0-9D7E5718B023}" type="datetimeFigureOut">
               <a:rPr lang="nl-NL" smtClean="0"/>
-              <a:t>12-4-2022</a:t>
+              <a:t>13-4-2022</a:t>
             </a:fld>
             <a:endParaRPr lang="nl-NL"/>
           </a:p>
@@ -2869,7 +2869,7 @@
           <a:p>
             <a:fld id="{598579B7-6556-4B01-89C0-9D7E5718B023}" type="datetimeFigureOut">
               <a:rPr lang="nl-NL" smtClean="0"/>
-              <a:t>12-4-2022</a:t>
+              <a:t>13-4-2022</a:t>
             </a:fld>
             <a:endParaRPr lang="nl-NL"/>
           </a:p>
@@ -2987,7 +2987,7 @@
           <a:p>
             <a:fld id="{598579B7-6556-4B01-89C0-9D7E5718B023}" type="datetimeFigureOut">
               <a:rPr lang="nl-NL" smtClean="0"/>
-              <a:t>12-4-2022</a:t>
+              <a:t>13-4-2022</a:t>
             </a:fld>
             <a:endParaRPr lang="nl-NL"/>
           </a:p>
@@ -3082,7 +3082,7 @@
           <a:p>
             <a:fld id="{598579B7-6556-4B01-89C0-9D7E5718B023}" type="datetimeFigureOut">
               <a:rPr lang="nl-NL" smtClean="0"/>
-              <a:t>12-4-2022</a:t>
+              <a:t>13-4-2022</a:t>
             </a:fld>
             <a:endParaRPr lang="nl-NL"/>
           </a:p>
@@ -3359,7 +3359,7 @@
           <a:p>
             <a:fld id="{598579B7-6556-4B01-89C0-9D7E5718B023}" type="datetimeFigureOut">
               <a:rPr lang="nl-NL" smtClean="0"/>
-              <a:t>12-4-2022</a:t>
+              <a:t>13-4-2022</a:t>
             </a:fld>
             <a:endParaRPr lang="nl-NL"/>
           </a:p>
@@ -3616,7 +3616,7 @@
           <a:p>
             <a:fld id="{598579B7-6556-4B01-89C0-9D7E5718B023}" type="datetimeFigureOut">
               <a:rPr lang="nl-NL" smtClean="0"/>
-              <a:t>12-4-2022</a:t>
+              <a:t>13-4-2022</a:t>
             </a:fld>
             <a:endParaRPr lang="nl-NL"/>
           </a:p>
@@ -3829,7 +3829,7 @@
           <a:p>
             <a:fld id="{598579B7-6556-4B01-89C0-9D7E5718B023}" type="datetimeFigureOut">
               <a:rPr lang="nl-NL" smtClean="0"/>
-              <a:t>12-4-2022</a:t>
+              <a:t>13-4-2022</a:t>
             </a:fld>
             <a:endParaRPr lang="nl-NL"/>
           </a:p>
@@ -4757,14 +4757,14 @@
                 <a:effectLst/>
                 <a:latin typeface="Noto Sans" panose="020B0502040504020204" pitchFamily="34" charset="0"/>
               </a:rPr>
-              <a:t>the</a:t>
+              <a:t>Adding</a:t>
             </a:r>
             <a:r>
               <a:rPr lang="nl-NL" b="1" i="0" dirty="0">
                 <a:effectLst/>
                 <a:latin typeface="Noto Sans" panose="020B0502040504020204" pitchFamily="34" charset="0"/>
               </a:rPr>
-              <a:t> Streaming platform (front-end) </a:t>
+              <a:t> Features</a:t>
             </a:r>
           </a:p>
           <a:p>
@@ -4817,28 +4817,7 @@
               <a:rPr lang="nl-NL" b="1" dirty="0" err="1">
                 <a:latin typeface="Noto Sans" panose="020B0502040504020204" pitchFamily="34" charset="0"/>
               </a:rPr>
-              <a:t>with</a:t>
-            </a:r>
-            <a:r>
-              <a:rPr lang="nl-NL" b="1" dirty="0">
-                <a:latin typeface="Noto Sans" panose="020B0502040504020204" pitchFamily="34" charset="0"/>
-              </a:rPr>
-              <a:t> </a:t>
-            </a:r>
-            <a:r>
-              <a:rPr lang="nl-NL" b="1" u="sng" dirty="0" err="1">
-                <a:solidFill>
-                  <a:srgbClr val="FF0000"/>
-                </a:solidFill>
-                <a:latin typeface="Noto Sans" panose="020B0502040504020204" pitchFamily="34" charset="0"/>
-              </a:rPr>
-              <a:t>P</a:t>
-            </a:r>
-            <a:r>
-              <a:rPr lang="nl-NL" b="1" u="sng" dirty="0" err="1">
-                <a:latin typeface="Noto Sans" panose="020B0502040504020204" pitchFamily="34" charset="0"/>
-              </a:rPr>
-              <a:t>ortainer</a:t>
+              <a:t>locally</a:t>
             </a:r>
             <a:endParaRPr lang="nl-NL" b="1" u="sng" dirty="0">
               <a:latin typeface="Noto Sans" panose="020B0502040504020204" pitchFamily="34" charset="0"/>
@@ -5652,7 +5631,9 @@
         </p:nvSpPr>
         <p:spPr/>
         <p:txBody>
-          <a:bodyPr/>
+          <a:bodyPr>
+            <a:normAutofit/>
+          </a:bodyPr>
           <a:lstStyle/>
           <a:p>
             <a:pPr marL="0" indent="0">
@@ -5810,6 +5791,27 @@
             </a:endParaRPr>
           </a:p>
           <a:p>
+            <a:r>
+              <a:rPr lang="nl-NL" b="1" dirty="0" err="1">
+                <a:solidFill>
+                  <a:srgbClr val="FF0000"/>
+                </a:solidFill>
+                <a:latin typeface="Noto Sans" panose="020B0502040504020204" pitchFamily="34" charset="0"/>
+              </a:rPr>
+              <a:t>R</a:t>
+            </a:r>
+            <a:r>
+              <a:rPr lang="nl-NL" b="1" dirty="0" err="1">
+                <a:latin typeface="Noto Sans" panose="020B0502040504020204" pitchFamily="34" charset="0"/>
+              </a:rPr>
+              <a:t>abbitMQ</a:t>
+            </a:r>
+            <a:r>
+              <a:rPr lang="nl-NL" b="1" dirty="0">
+                <a:latin typeface="Noto Sans" panose="020B0502040504020204" pitchFamily="34" charset="0"/>
+              </a:rPr>
+              <a:t> Message broker </a:t>
+            </a:r>
             <a:endParaRPr lang="nl-NL" b="1" u="sng" dirty="0">
               <a:latin typeface="Noto Sans" panose="020B0502040504020204" pitchFamily="34" charset="0"/>
             </a:endParaRPr>
@@ -6449,6 +6451,42 @@
             </a:endParaRPr>
           </a:p>
           <a:p>
+            <a:pPr>
+              <a:buFontTx/>
+              <a:buChar char="-"/>
+            </a:pPr>
+            <a:r>
+              <a:rPr lang="nl-NL" b="1" dirty="0" err="1">
+                <a:solidFill>
+                  <a:srgbClr val="FF0000"/>
+                </a:solidFill>
+                <a:latin typeface="Noto Sans" panose="020B0502040504020204" pitchFamily="34" charset="0"/>
+              </a:rPr>
+              <a:t>R</a:t>
+            </a:r>
+            <a:r>
+              <a:rPr lang="nl-NL" b="1" dirty="0" err="1">
+                <a:latin typeface="Noto Sans" panose="020B0502040504020204" pitchFamily="34" charset="0"/>
+              </a:rPr>
+              <a:t>abbitMQ</a:t>
+            </a:r>
+            <a:r>
+              <a:rPr lang="nl-NL" b="1" dirty="0">
+                <a:latin typeface="Noto Sans" panose="020B0502040504020204" pitchFamily="34" charset="0"/>
+              </a:rPr>
+              <a:t> Message broker</a:t>
+            </a:r>
+          </a:p>
+          <a:p>
+            <a:pPr>
+              <a:buFontTx/>
+              <a:buChar char="-"/>
+            </a:pPr>
+            <a:endParaRPr lang="nl-NL" b="1" dirty="0">
+              <a:latin typeface="Noto Sans" panose="020B0502040504020204" pitchFamily="34" charset="0"/>
+            </a:endParaRPr>
+          </a:p>
+          <a:p>
             <a:pPr marL="0" indent="0">
               <a:buNone/>
             </a:pPr>
@@ -6470,16 +6508,15 @@
           </p:cNvPicPr>
           <p:nvPr/>
         </p:nvPicPr>
-        <p:blipFill>
+        <p:blipFill rotWithShape="1">
           <a:blip r:embed="rId3"/>
-          <a:stretch>
-            <a:fillRect/>
-          </a:stretch>
+          <a:srcRect r="9759" b="14611"/>
+          <a:stretch/>
         </p:blipFill>
         <p:spPr>
           <a:xfrm>
-            <a:off x="1039555" y="2948314"/>
-            <a:ext cx="10112890" cy="3742526"/>
+            <a:off x="1533031" y="3116202"/>
+            <a:ext cx="9125937" cy="3195698"/>
           </a:xfrm>
           <a:prstGeom prst="rect">
             <a:avLst/>
